--- a/ComputerGraphics TermProject.pptx
+++ b/ComputerGraphics TermProject.pptx
@@ -107,6 +107,11 @@
       </a:defRPr>
     </a:lvl9pPr>
   </p:defaultTextStyle>
+  <p:extLst>
+    <p:ext uri="{EFAFB233-063F-42B5-8137-9DF3F51BA10A}">
+      <p15:sldGuideLst xmlns:p15="http://schemas.microsoft.com/office/powerpoint/2012/main"/>
+    </p:ext>
+  </p:extLst>
 </p:presentation>
 </file>
 
@@ -336,7 +341,7 @@
           <a:p>
             <a:fld id="{69C58A2E-484B-48C6-A879-BC4B0B30E636}" type="datetimeFigureOut">
               <a:rPr lang="ko-KR" altLang="en-US" smtClean="0"/>
-              <a:t>2019-09-30</a:t>
+              <a:t>2019-11-07</a:t>
             </a:fld>
             <a:endParaRPr lang="ko-KR" altLang="en-US"/>
           </a:p>
@@ -544,7 +549,7 @@
           <a:p>
             <a:fld id="{69C58A2E-484B-48C6-A879-BC4B0B30E636}" type="datetimeFigureOut">
               <a:rPr lang="ko-KR" altLang="en-US" smtClean="0"/>
-              <a:t>2019-09-30</a:t>
+              <a:t>2019-11-07</a:t>
             </a:fld>
             <a:endParaRPr lang="ko-KR" altLang="en-US"/>
           </a:p>
@@ -800,7 +805,7 @@
           <a:p>
             <a:fld id="{69C58A2E-484B-48C6-A879-BC4B0B30E636}" type="datetimeFigureOut">
               <a:rPr lang="ko-KR" altLang="en-US" smtClean="0"/>
-              <a:t>2019-09-30</a:t>
+              <a:t>2019-11-07</a:t>
             </a:fld>
             <a:endParaRPr lang="ko-KR" altLang="en-US"/>
           </a:p>
@@ -974,7 +979,7 @@
           <a:p>
             <a:fld id="{69C58A2E-484B-48C6-A879-BC4B0B30E636}" type="datetimeFigureOut">
               <a:rPr lang="ko-KR" altLang="en-US" smtClean="0"/>
-              <a:t>2019-09-30</a:t>
+              <a:t>2019-11-07</a:t>
             </a:fld>
             <a:endParaRPr lang="ko-KR" altLang="en-US"/>
           </a:p>
@@ -1317,7 +1322,7 @@
           <a:p>
             <a:fld id="{69C58A2E-484B-48C6-A879-BC4B0B30E636}" type="datetimeFigureOut">
               <a:rPr lang="ko-KR" altLang="en-US" smtClean="0"/>
-              <a:t>2019-09-30</a:t>
+              <a:t>2019-11-07</a:t>
             </a:fld>
             <a:endParaRPr lang="ko-KR" altLang="en-US"/>
           </a:p>
@@ -1592,7 +1597,7 @@
           <a:p>
             <a:fld id="{69C58A2E-484B-48C6-A879-BC4B0B30E636}" type="datetimeFigureOut">
               <a:rPr lang="ko-KR" altLang="en-US" smtClean="0"/>
-              <a:t>2019-09-30</a:t>
+              <a:t>2019-11-07</a:t>
             </a:fld>
             <a:endParaRPr lang="ko-KR" altLang="en-US"/>
           </a:p>
@@ -1971,7 +1976,7 @@
           <a:p>
             <a:fld id="{69C58A2E-484B-48C6-A879-BC4B0B30E636}" type="datetimeFigureOut">
               <a:rPr lang="ko-KR" altLang="en-US" smtClean="0"/>
-              <a:t>2019-09-30</a:t>
+              <a:t>2019-11-07</a:t>
             </a:fld>
             <a:endParaRPr lang="ko-KR" altLang="en-US"/>
           </a:p>
@@ -2089,7 +2094,7 @@
           <a:p>
             <a:fld id="{69C58A2E-484B-48C6-A879-BC4B0B30E636}" type="datetimeFigureOut">
               <a:rPr lang="ko-KR" altLang="en-US" smtClean="0"/>
-              <a:t>2019-09-30</a:t>
+              <a:t>2019-11-07</a:t>
             </a:fld>
             <a:endParaRPr lang="ko-KR" altLang="en-US"/>
           </a:p>
@@ -2260,7 +2265,7 @@
           <a:p>
             <a:fld id="{69C58A2E-484B-48C6-A879-BC4B0B30E636}" type="datetimeFigureOut">
               <a:rPr lang="ko-KR" altLang="en-US" smtClean="0"/>
-              <a:t>2019-09-30</a:t>
+              <a:t>2019-11-07</a:t>
             </a:fld>
             <a:endParaRPr lang="ko-KR" altLang="en-US"/>
           </a:p>
@@ -2614,7 +2619,7 @@
           <a:p>
             <a:fld id="{69C58A2E-484B-48C6-A879-BC4B0B30E636}" type="datetimeFigureOut">
               <a:rPr lang="ko-KR" altLang="en-US" smtClean="0"/>
-              <a:t>2019-09-30</a:t>
+              <a:t>2019-11-07</a:t>
             </a:fld>
             <a:endParaRPr lang="ko-KR" altLang="en-US"/>
           </a:p>
@@ -2996,7 +3001,7 @@
           <a:p>
             <a:fld id="{69C58A2E-484B-48C6-A879-BC4B0B30E636}" type="datetimeFigureOut">
               <a:rPr lang="ko-KR" altLang="en-US" smtClean="0"/>
-              <a:t>2019-09-30</a:t>
+              <a:t>2019-11-07</a:t>
             </a:fld>
             <a:endParaRPr lang="ko-KR" altLang="en-US"/>
           </a:p>
@@ -3283,7 +3288,7 @@
           <a:p>
             <a:fld id="{69C58A2E-484B-48C6-A879-BC4B0B30E636}" type="datetimeFigureOut">
               <a:rPr lang="ko-KR" altLang="en-US" smtClean="0"/>
-              <a:t>2019-09-30</a:t>
+              <a:t>2019-11-07</a:t>
             </a:fld>
             <a:endParaRPr lang="ko-KR" altLang="en-US"/>
           </a:p>
@@ -3971,8 +3976,15 @@
           <a:p>
             <a:r>
               <a:rPr lang="ko-KR" altLang="en-US" dirty="0"/>
-              <a:t>혹은 도시를 방어하기 위해 적을 사살하는 게임</a:t>
-            </a:r>
+              <a:t>혹은 도시를 방어하기 위해 몰려오는 적을 사살하는 게임</a:t>
+            </a:r>
+            <a:endParaRPr lang="en-US" altLang="ko-KR" dirty="0"/>
+          </a:p>
+          <a:p>
+            <a:pPr marL="0" indent="0">
+              <a:buNone/>
+            </a:pPr>
+            <a:endParaRPr lang="en-US" altLang="ko-KR" dirty="0"/>
           </a:p>
         </p:txBody>
       </p:sp>
@@ -4053,7 +4065,9 @@
         </p:nvSpPr>
         <p:spPr/>
         <p:txBody>
-          <a:bodyPr/>
+          <a:bodyPr>
+            <a:normAutofit/>
+          </a:bodyPr>
           <a:lstStyle/>
           <a:p>
             <a:r>
@@ -4066,11 +4080,62 @@
             </a:r>
             <a:r>
               <a:rPr lang="ko-KR" altLang="en-US" dirty="0"/>
-              <a:t>돌진해오는 적을 정해진 위치에서 사격</a:t>
-            </a:r>
+              <a:t>돌진해오는 적을 정해진 위치에서 사격 </a:t>
+            </a:r>
+            <a:r>
+              <a:rPr lang="en-US" altLang="ko-KR" dirty="0"/>
+              <a:t>(</a:t>
+            </a:r>
+            <a:r>
+              <a:rPr lang="ko-KR" altLang="en-US" dirty="0"/>
+              <a:t>적을 죽여서 골드 획득</a:t>
+            </a:r>
+            <a:r>
+              <a:rPr lang="en-US" altLang="ko-KR" dirty="0"/>
+              <a:t>)</a:t>
+            </a:r>
+          </a:p>
+          <a:p>
+            <a:pPr marL="0" indent="0">
+              <a:buNone/>
+            </a:pPr>
             <a:endParaRPr lang="en-US" altLang="ko-KR" dirty="0"/>
           </a:p>
           <a:p>
+            <a:r>
+              <a:rPr lang="ko-KR" altLang="en-US" dirty="0"/>
+              <a:t>플레이어 강화 </a:t>
+            </a:r>
+            <a:r>
+              <a:rPr lang="en-US" altLang="ko-KR" dirty="0"/>
+              <a:t>– </a:t>
+            </a:r>
+            <a:r>
+              <a:rPr lang="ko-KR" altLang="en-US" dirty="0"/>
+              <a:t>골드를 사용해 장비 구입 및 </a:t>
+            </a:r>
+            <a:r>
+              <a:rPr lang="ko-KR" altLang="en-US" dirty="0" err="1"/>
+              <a:t>스테이터스</a:t>
+            </a:r>
+            <a:r>
+              <a:rPr lang="ko-KR" altLang="en-US" dirty="0"/>
+              <a:t> 업그레이드</a:t>
+            </a:r>
+            <a:endParaRPr lang="en-US" altLang="ko-KR" dirty="0"/>
+          </a:p>
+          <a:p>
+            <a:endParaRPr lang="en-US" altLang="ko-KR" dirty="0"/>
+          </a:p>
+          <a:p>
+            <a:r>
+              <a:rPr lang="en-US" altLang="ko-KR" dirty="0"/>
+              <a:t>// </a:t>
+            </a:r>
+            <a:r>
+              <a:rPr lang="ko-KR" altLang="en-US" dirty="0"/>
+              <a:t>추가 구현</a:t>
+            </a:r>
             <a:endParaRPr lang="en-US" altLang="ko-KR" dirty="0"/>
           </a:p>
           <a:p>
@@ -4182,7 +4247,7 @@
             <p:ph idx="1"/>
             <p:extLst>
               <p:ext uri="{D42A27DB-BD31-4B8C-83A1-F6EECF244321}">
-                <p14:modId xmlns:p14="http://schemas.microsoft.com/office/powerpoint/2010/main" val="3414397366"/>
+                <p14:modId xmlns:p14="http://schemas.microsoft.com/office/powerpoint/2010/main" val="2553675639"/>
               </p:ext>
             </p:extLst>
           </p:nvPr>

--- a/ComputerGraphics TermProject.pptx
+++ b/ComputerGraphics TermProject.pptx
@@ -7,8 +7,9 @@
   <p:sldIdLst>
     <p:sldId id="256" r:id="rId2"/>
     <p:sldId id="257" r:id="rId3"/>
-    <p:sldId id="258" r:id="rId4"/>
-    <p:sldId id="259" r:id="rId5"/>
+    <p:sldId id="259" r:id="rId4"/>
+    <p:sldId id="261" r:id="rId5"/>
+    <p:sldId id="260" r:id="rId6"/>
   </p:sldIdLst>
   <p:sldSz cx="12192000" cy="6858000"/>
   <p:notesSz cx="6858000" cy="9144000"/>
@@ -341,7 +342,7 @@
           <a:p>
             <a:fld id="{69C58A2E-484B-48C6-A879-BC4B0B30E636}" type="datetimeFigureOut">
               <a:rPr lang="ko-KR" altLang="en-US" smtClean="0"/>
-              <a:t>2019-11-07</a:t>
+              <a:t>2019-11-16</a:t>
             </a:fld>
             <a:endParaRPr lang="ko-KR" altLang="en-US"/>
           </a:p>
@@ -549,7 +550,7 @@
           <a:p>
             <a:fld id="{69C58A2E-484B-48C6-A879-BC4B0B30E636}" type="datetimeFigureOut">
               <a:rPr lang="ko-KR" altLang="en-US" smtClean="0"/>
-              <a:t>2019-11-07</a:t>
+              <a:t>2019-11-16</a:t>
             </a:fld>
             <a:endParaRPr lang="ko-KR" altLang="en-US"/>
           </a:p>
@@ -805,7 +806,7 @@
           <a:p>
             <a:fld id="{69C58A2E-484B-48C6-A879-BC4B0B30E636}" type="datetimeFigureOut">
               <a:rPr lang="ko-KR" altLang="en-US" smtClean="0"/>
-              <a:t>2019-11-07</a:t>
+              <a:t>2019-11-16</a:t>
             </a:fld>
             <a:endParaRPr lang="ko-KR" altLang="en-US"/>
           </a:p>
@@ -979,7 +980,7 @@
           <a:p>
             <a:fld id="{69C58A2E-484B-48C6-A879-BC4B0B30E636}" type="datetimeFigureOut">
               <a:rPr lang="ko-KR" altLang="en-US" smtClean="0"/>
-              <a:t>2019-11-07</a:t>
+              <a:t>2019-11-16</a:t>
             </a:fld>
             <a:endParaRPr lang="ko-KR" altLang="en-US"/>
           </a:p>
@@ -1322,7 +1323,7 @@
           <a:p>
             <a:fld id="{69C58A2E-484B-48C6-A879-BC4B0B30E636}" type="datetimeFigureOut">
               <a:rPr lang="ko-KR" altLang="en-US" smtClean="0"/>
-              <a:t>2019-11-07</a:t>
+              <a:t>2019-11-16</a:t>
             </a:fld>
             <a:endParaRPr lang="ko-KR" altLang="en-US"/>
           </a:p>
@@ -1597,7 +1598,7 @@
           <a:p>
             <a:fld id="{69C58A2E-484B-48C6-A879-BC4B0B30E636}" type="datetimeFigureOut">
               <a:rPr lang="ko-KR" altLang="en-US" smtClean="0"/>
-              <a:t>2019-11-07</a:t>
+              <a:t>2019-11-16</a:t>
             </a:fld>
             <a:endParaRPr lang="ko-KR" altLang="en-US"/>
           </a:p>
@@ -1976,7 +1977,7 @@
           <a:p>
             <a:fld id="{69C58A2E-484B-48C6-A879-BC4B0B30E636}" type="datetimeFigureOut">
               <a:rPr lang="ko-KR" altLang="en-US" smtClean="0"/>
-              <a:t>2019-11-07</a:t>
+              <a:t>2019-11-16</a:t>
             </a:fld>
             <a:endParaRPr lang="ko-KR" altLang="en-US"/>
           </a:p>
@@ -2094,7 +2095,7 @@
           <a:p>
             <a:fld id="{69C58A2E-484B-48C6-A879-BC4B0B30E636}" type="datetimeFigureOut">
               <a:rPr lang="ko-KR" altLang="en-US" smtClean="0"/>
-              <a:t>2019-11-07</a:t>
+              <a:t>2019-11-16</a:t>
             </a:fld>
             <a:endParaRPr lang="ko-KR" altLang="en-US"/>
           </a:p>
@@ -2265,7 +2266,7 @@
           <a:p>
             <a:fld id="{69C58A2E-484B-48C6-A879-BC4B0B30E636}" type="datetimeFigureOut">
               <a:rPr lang="ko-KR" altLang="en-US" smtClean="0"/>
-              <a:t>2019-11-07</a:t>
+              <a:t>2019-11-16</a:t>
             </a:fld>
             <a:endParaRPr lang="ko-KR" altLang="en-US"/>
           </a:p>
@@ -2619,7 +2620,7 @@
           <a:p>
             <a:fld id="{69C58A2E-484B-48C6-A879-BC4B0B30E636}" type="datetimeFigureOut">
               <a:rPr lang="ko-KR" altLang="en-US" smtClean="0"/>
-              <a:t>2019-11-07</a:t>
+              <a:t>2019-11-16</a:t>
             </a:fld>
             <a:endParaRPr lang="ko-KR" altLang="en-US"/>
           </a:p>
@@ -3001,7 +3002,7 @@
           <a:p>
             <a:fld id="{69C58A2E-484B-48C6-A879-BC4B0B30E636}" type="datetimeFigureOut">
               <a:rPr lang="ko-KR" altLang="en-US" smtClean="0"/>
-              <a:t>2019-11-07</a:t>
+              <a:t>2019-11-16</a:t>
             </a:fld>
             <a:endParaRPr lang="ko-KR" altLang="en-US"/>
           </a:p>
@@ -3288,7 +3289,7 @@
           <a:p>
             <a:fld id="{69C58A2E-484B-48C6-A879-BC4B0B30E636}" type="datetimeFigureOut">
               <a:rPr lang="ko-KR" altLang="en-US" smtClean="0"/>
-              <a:t>2019-11-07</a:t>
+              <a:t>2019-11-16</a:t>
             </a:fld>
             <a:endParaRPr lang="ko-KR" altLang="en-US"/>
           </a:p>
@@ -3958,26 +3959,97 @@
           <a:p>
             <a:r>
               <a:rPr lang="ko-KR" altLang="en-US" dirty="0"/>
-              <a:t>저격수가 되어서 적을 사살</a:t>
-            </a:r>
+              <a:t>도시를 점령하기 위해 몰려오는 적을 막는 디펜스 게임</a:t>
+            </a:r>
+            <a:endParaRPr lang="en-US" altLang="ko-KR" dirty="0"/>
+          </a:p>
+          <a:p>
+            <a:endParaRPr lang="en-US" altLang="ko-KR" dirty="0"/>
+          </a:p>
+          <a:p>
             <a:r>
               <a:rPr lang="en-US" altLang="ko-KR" dirty="0"/>
-              <a:t>/</a:t>
+              <a:t>*</a:t>
             </a:r>
             <a:r>
               <a:rPr lang="ko-KR" altLang="en-US" dirty="0"/>
-              <a:t>암살하는 게임</a:t>
-            </a:r>
+              <a:t>도시에 유일하게 남은 방어 수단인 </a:t>
+            </a:r>
+            <a:r>
+              <a:rPr lang="ko-KR" altLang="en-US" dirty="0" err="1"/>
+              <a:t>포탑을</a:t>
+            </a:r>
+            <a:r>
+              <a:rPr lang="ko-KR" altLang="en-US" dirty="0"/>
+              <a:t> 이용해 적을 막아라</a:t>
+            </a:r>
+            <a:r>
+              <a:rPr lang="en-US" altLang="ko-KR" dirty="0"/>
+              <a:t>!</a:t>
+            </a:r>
+          </a:p>
+          <a:p>
             <a:endParaRPr lang="en-US" altLang="ko-KR" dirty="0"/>
           </a:p>
           <a:p>
+            <a:r>
+              <a:rPr lang="en-US" altLang="ko-KR" dirty="0"/>
+              <a:t>*</a:t>
+            </a:r>
+            <a:r>
+              <a:rPr lang="ko-KR" altLang="en-US" dirty="0"/>
+              <a:t>적이 도시 방벽에 도착하게 되면 방벽의 </a:t>
+            </a:r>
+            <a:r>
+              <a:rPr lang="en-US" altLang="ko-KR" dirty="0"/>
+              <a:t>HP</a:t>
+            </a:r>
+            <a:r>
+              <a:rPr lang="ko-KR" altLang="en-US" dirty="0"/>
+              <a:t>가 줄어든다</a:t>
+            </a:r>
+            <a:r>
+              <a:rPr lang="en-US" altLang="ko-KR" dirty="0"/>
+              <a:t>.</a:t>
+            </a:r>
+          </a:p>
+          <a:p>
+            <a:r>
+              <a:rPr lang="en-US" altLang="ko-KR" dirty="0"/>
+              <a:t>*HP</a:t>
+            </a:r>
+            <a:r>
+              <a:rPr lang="ko-KR" altLang="en-US" dirty="0"/>
+              <a:t>가 </a:t>
+            </a:r>
+            <a:r>
+              <a:rPr lang="en-US" altLang="ko-KR" dirty="0"/>
+              <a:t>0 </a:t>
+            </a:r>
+            <a:r>
+              <a:rPr lang="ko-KR" altLang="en-US" dirty="0"/>
+              <a:t>이하로 내려가게 되면 </a:t>
+            </a:r>
+            <a:r>
+              <a:rPr lang="en-US" altLang="ko-KR" dirty="0"/>
+              <a:t>GAME OVER</a:t>
+            </a:r>
+          </a:p>
+          <a:p>
+            <a:r>
+              <a:rPr lang="en-US" altLang="ko-KR" dirty="0"/>
+              <a:t>*</a:t>
+            </a:r>
+            <a:r>
+              <a:rPr lang="ko-KR" altLang="en-US" dirty="0"/>
+              <a:t>최대한 긴 시간동안 적이 방벽에 도착하는 것을 막는 것이 목표</a:t>
+            </a:r>
             <a:endParaRPr lang="en-US" altLang="ko-KR" dirty="0"/>
           </a:p>
           <a:p>
-            <a:r>
-              <a:rPr lang="ko-KR" altLang="en-US" dirty="0"/>
-              <a:t>혹은 도시를 방어하기 위해 몰려오는 적을 사살하는 게임</a:t>
-            </a:r>
+            <a:endParaRPr lang="en-US" altLang="ko-KR" dirty="0"/>
+          </a:p>
+          <a:p>
             <a:endParaRPr lang="en-US" altLang="ko-KR" dirty="0"/>
           </a:p>
           <a:p>
@@ -4023,190 +4095,6 @@
           <p:cNvPr id="2" name="제목 1">
             <a:extLst>
               <a:ext uri="{FF2B5EF4-FFF2-40B4-BE49-F238E27FC236}">
-                <a16:creationId xmlns:a16="http://schemas.microsoft.com/office/drawing/2014/main" id="{349EF9B6-3B7F-451F-A3E3-5D777523FBBA}"/>
-              </a:ext>
-            </a:extLst>
-          </p:cNvPr>
-          <p:cNvSpPr>
-            <a:spLocks noGrp="1"/>
-          </p:cNvSpPr>
-          <p:nvPr>
-            <p:ph type="title"/>
-          </p:nvPr>
-        </p:nvSpPr>
-        <p:spPr/>
-        <p:txBody>
-          <a:bodyPr/>
-          <a:lstStyle/>
-          <a:p>
-            <a:r>
-              <a:rPr lang="en-US" altLang="ko-KR" dirty="0"/>
-              <a:t>Contents</a:t>
-            </a:r>
-            <a:endParaRPr lang="ko-KR" altLang="en-US" dirty="0"/>
-          </a:p>
-        </p:txBody>
-      </p:sp>
-      <p:sp>
-        <p:nvSpPr>
-          <p:cNvPr id="3" name="내용 개체 틀 2">
-            <a:extLst>
-              <a:ext uri="{FF2B5EF4-FFF2-40B4-BE49-F238E27FC236}">
-                <a16:creationId xmlns:a16="http://schemas.microsoft.com/office/drawing/2014/main" id="{E7C0D30D-BA75-49A3-8769-8D23AD832B57}"/>
-              </a:ext>
-            </a:extLst>
-          </p:cNvPr>
-          <p:cNvSpPr>
-            <a:spLocks noGrp="1"/>
-          </p:cNvSpPr>
-          <p:nvPr>
-            <p:ph idx="1"/>
-          </p:nvPr>
-        </p:nvSpPr>
-        <p:spPr/>
-        <p:txBody>
-          <a:bodyPr>
-            <a:normAutofit/>
-          </a:bodyPr>
-          <a:lstStyle/>
-          <a:p>
-            <a:r>
-              <a:rPr lang="ko-KR" altLang="en-US" dirty="0"/>
-              <a:t>도시 방어 </a:t>
-            </a:r>
-            <a:r>
-              <a:rPr lang="en-US" altLang="ko-KR" dirty="0"/>
-              <a:t>– </a:t>
-            </a:r>
-            <a:r>
-              <a:rPr lang="ko-KR" altLang="en-US" dirty="0"/>
-              <a:t>돌진해오는 적을 정해진 위치에서 사격 </a:t>
-            </a:r>
-            <a:r>
-              <a:rPr lang="en-US" altLang="ko-KR" dirty="0"/>
-              <a:t>(</a:t>
-            </a:r>
-            <a:r>
-              <a:rPr lang="ko-KR" altLang="en-US" dirty="0"/>
-              <a:t>적을 죽여서 골드 획득</a:t>
-            </a:r>
-            <a:r>
-              <a:rPr lang="en-US" altLang="ko-KR" dirty="0"/>
-              <a:t>)</a:t>
-            </a:r>
-          </a:p>
-          <a:p>
-            <a:pPr marL="0" indent="0">
-              <a:buNone/>
-            </a:pPr>
-            <a:endParaRPr lang="en-US" altLang="ko-KR" dirty="0"/>
-          </a:p>
-          <a:p>
-            <a:r>
-              <a:rPr lang="ko-KR" altLang="en-US" dirty="0"/>
-              <a:t>플레이어 강화 </a:t>
-            </a:r>
-            <a:r>
-              <a:rPr lang="en-US" altLang="ko-KR" dirty="0"/>
-              <a:t>– </a:t>
-            </a:r>
-            <a:r>
-              <a:rPr lang="ko-KR" altLang="en-US" dirty="0"/>
-              <a:t>골드를 사용해 장비 구입 및 </a:t>
-            </a:r>
-            <a:r>
-              <a:rPr lang="ko-KR" altLang="en-US" dirty="0" err="1"/>
-              <a:t>스테이터스</a:t>
-            </a:r>
-            <a:r>
-              <a:rPr lang="ko-KR" altLang="en-US" dirty="0"/>
-              <a:t> 업그레이드</a:t>
-            </a:r>
-            <a:endParaRPr lang="en-US" altLang="ko-KR" dirty="0"/>
-          </a:p>
-          <a:p>
-            <a:endParaRPr lang="en-US" altLang="ko-KR" dirty="0"/>
-          </a:p>
-          <a:p>
-            <a:r>
-              <a:rPr lang="en-US" altLang="ko-KR" dirty="0"/>
-              <a:t>// </a:t>
-            </a:r>
-            <a:r>
-              <a:rPr lang="ko-KR" altLang="en-US" dirty="0"/>
-              <a:t>추가 구현</a:t>
-            </a:r>
-            <a:endParaRPr lang="en-US" altLang="ko-KR" dirty="0"/>
-          </a:p>
-          <a:p>
-            <a:r>
-              <a:rPr lang="ko-KR" altLang="en-US" dirty="0"/>
-              <a:t>요원 암살 </a:t>
-            </a:r>
-            <a:r>
-              <a:rPr lang="en-US" altLang="ko-KR" dirty="0"/>
-              <a:t>– </a:t>
-            </a:r>
-            <a:r>
-              <a:rPr lang="ko-KR" altLang="en-US" dirty="0"/>
-              <a:t>도시 내에 침투한 요원을 찾아서 사살</a:t>
-            </a:r>
-            <a:endParaRPr lang="en-US" altLang="ko-KR" dirty="0"/>
-          </a:p>
-          <a:p>
-            <a:endParaRPr lang="en-US" altLang="ko-KR" dirty="0"/>
-          </a:p>
-          <a:p>
-            <a:r>
-              <a:rPr lang="ko-KR" altLang="en-US" dirty="0"/>
-              <a:t>적 도시 침투 </a:t>
-            </a:r>
-            <a:r>
-              <a:rPr lang="en-US" altLang="ko-KR" dirty="0"/>
-              <a:t>– </a:t>
-            </a:r>
-            <a:r>
-              <a:rPr lang="ko-KR" altLang="en-US" dirty="0"/>
-              <a:t>적 도시에 침투해 주요 인물을 사살</a:t>
-            </a:r>
-          </a:p>
-        </p:txBody>
-      </p:sp>
-    </p:spTree>
-    <p:extLst>
-      <p:ext uri="{BB962C8B-B14F-4D97-AF65-F5344CB8AC3E}">
-        <p14:creationId xmlns:p14="http://schemas.microsoft.com/office/powerpoint/2010/main" val="1615374878"/>
-      </p:ext>
-    </p:extLst>
-  </p:cSld>
-  <p:clrMapOvr>
-    <a:masterClrMapping/>
-  </p:clrMapOvr>
-</p:sld>
-</file>
-
-<file path=ppt/slides/slide4.xml><?xml version="1.0" encoding="utf-8"?>
-<p:sld xmlns:a="http://schemas.openxmlformats.org/drawingml/2006/main" xmlns:r="http://schemas.openxmlformats.org/officeDocument/2006/relationships" xmlns:p="http://schemas.openxmlformats.org/presentationml/2006/main">
-  <p:cSld>
-    <p:spTree>
-      <p:nvGrpSpPr>
-        <p:cNvPr id="1" name=""/>
-        <p:cNvGrpSpPr/>
-        <p:nvPr/>
-      </p:nvGrpSpPr>
-      <p:grpSpPr>
-        <a:xfrm>
-          <a:off x="0" y="0"/>
-          <a:ext cx="0" cy="0"/>
-          <a:chOff x="0" y="0"/>
-          <a:chExt cx="0" cy="0"/>
-        </a:xfrm>
-      </p:grpSpPr>
-      <p:sp>
-        <p:nvSpPr>
-          <p:cNvPr id="2" name="제목 1">
-            <a:extLst>
-              <a:ext uri="{FF2B5EF4-FFF2-40B4-BE49-F238E27FC236}">
                 <a16:creationId xmlns:a16="http://schemas.microsoft.com/office/drawing/2014/main" id="{B3E76A46-8AAA-4101-BC16-F29B7E0AB25F}"/>
               </a:ext>
             </a:extLst>
@@ -4225,7 +4113,7 @@
           <a:p>
             <a:r>
               <a:rPr lang="en-US" altLang="ko-KR" dirty="0"/>
-              <a:t>Function</a:t>
+              <a:t>Contents</a:t>
             </a:r>
             <a:endParaRPr lang="ko-KR" altLang="en-US" dirty="0"/>
           </a:p>
@@ -4247,7 +4135,7 @@
             <p:ph idx="1"/>
             <p:extLst>
               <p:ext uri="{D42A27DB-BD31-4B8C-83A1-F6EECF244321}">
-                <p14:modId xmlns:p14="http://schemas.microsoft.com/office/powerpoint/2010/main" val="2553675639"/>
+                <p14:modId xmlns:p14="http://schemas.microsoft.com/office/powerpoint/2010/main" val="3185617278"/>
               </p:ext>
             </p:extLst>
           </p:nvPr>
@@ -4343,7 +4231,7 @@
                       <a:pPr algn="ctr" latinLnBrk="1"/>
                       <a:r>
                         <a:rPr lang="ko-KR" altLang="en-US" sz="1600" dirty="0"/>
-                        <a:t>이동</a:t>
+                        <a:t>전투</a:t>
                       </a:r>
                     </a:p>
                   </a:txBody>
@@ -4357,7 +4245,26 @@
                       <a:pPr algn="ctr" latinLnBrk="1"/>
                       <a:r>
                         <a:rPr lang="ko-KR" altLang="en-US" sz="1600" dirty="0"/>
-                        <a:t>메뉴를 통한 이동</a:t>
+                        <a:t>도시의 중앙에서 사격</a:t>
+                      </a:r>
+                      <a:r>
+                        <a:rPr lang="en-US" altLang="ko-KR" sz="1600" dirty="0"/>
+                        <a:t>(</a:t>
+                      </a:r>
+                      <a:r>
+                        <a:rPr lang="ko-KR" altLang="en-US" sz="1600" dirty="0"/>
+                        <a:t>포격</a:t>
+                      </a:r>
+                      <a:r>
+                        <a:rPr lang="en-US" altLang="ko-KR" sz="1600" dirty="0"/>
+                        <a:t>)</a:t>
+                      </a:r>
+                    </a:p>
+                    <a:p>
+                      <a:pPr algn="ctr" latinLnBrk="1"/>
+                      <a:r>
+                        <a:rPr lang="ko-KR" altLang="en-US" sz="1600" dirty="0"/>
+                        <a:t>마우스를 이용해 조준 및 발사</a:t>
                       </a:r>
                       <a:endParaRPr lang="en-US" altLang="ko-KR" sz="1600" dirty="0"/>
                     </a:p>
@@ -4365,7 +4272,15 @@
                       <a:pPr algn="ctr" latinLnBrk="1"/>
                       <a:r>
                         <a:rPr lang="ko-KR" altLang="en-US" sz="1600" dirty="0"/>
-                        <a:t>메뉴바를  클릭하면 해당 위치로 이동</a:t>
+                        <a:t>마우스 혹은 키보드를 이용해 줌 인</a:t>
+                      </a:r>
+                      <a:r>
+                        <a:rPr lang="en-US" altLang="ko-KR" sz="1600" dirty="0"/>
+                        <a:t>/</a:t>
+                      </a:r>
+                      <a:r>
+                        <a:rPr lang="ko-KR" altLang="en-US" sz="1600" dirty="0"/>
+                        <a:t>아웃</a:t>
                       </a:r>
                     </a:p>
                   </a:txBody>
@@ -4379,23 +4294,19 @@
                       <a:pPr algn="ctr" latinLnBrk="1"/>
                       <a:r>
                         <a:rPr lang="ko-KR" altLang="en-US" sz="1600" dirty="0"/>
-                        <a:t>직접 이동</a:t>
-                      </a:r>
-                      <a:endParaRPr lang="en-US" altLang="ko-KR" sz="1600" dirty="0"/>
-                    </a:p>
-                    <a:p>
-                      <a:pPr algn="ctr" latinLnBrk="1"/>
+                        <a:t>마우스 혹은 키보드를 이용해 시점 전환</a:t>
+                      </a:r>
+                      <a:r>
+                        <a:rPr lang="en-US" altLang="ko-KR" sz="1600" dirty="0"/>
+                        <a:t>(</a:t>
+                      </a:r>
                       <a:r>
                         <a:rPr lang="ko-KR" altLang="en-US" sz="1600" dirty="0"/>
-                        <a:t>키보드 입력을 이용해 직접 걸어서 이동</a:t>
-                      </a:r>
-                      <a:endParaRPr lang="en-US" altLang="ko-KR" sz="1600" dirty="0"/>
-                    </a:p>
-                    <a:p>
-                      <a:pPr algn="ctr" latinLnBrk="1"/>
-                      <a:r>
-                        <a:rPr lang="ko-KR" altLang="en-US" sz="1600" dirty="0"/>
-                        <a:t>특정 키를 이용해 상효작용</a:t>
+                        <a:t>시야 회전</a:t>
+                      </a:r>
+                      <a:r>
+                        <a:rPr lang="en-US" altLang="ko-KR" sz="1600" dirty="0"/>
+                        <a:t>)</a:t>
                       </a:r>
                     </a:p>
                   </a:txBody>
@@ -4416,7 +4327,7 @@
                       <a:pPr algn="ctr" latinLnBrk="1"/>
                       <a:r>
                         <a:rPr lang="ko-KR" altLang="en-US" sz="1600" dirty="0"/>
-                        <a:t>전투</a:t>
+                        <a:t>적군</a:t>
                       </a:r>
                     </a:p>
                   </a:txBody>
@@ -4430,7 +4341,7 @@
                       <a:pPr algn="ctr" latinLnBrk="1"/>
                       <a:r>
                         <a:rPr lang="ko-KR" altLang="en-US" sz="1600" dirty="0"/>
-                        <a:t>고정된 위치에서 전투</a:t>
+                        <a:t>정해진 패턴대로 방벽까지 이동</a:t>
                       </a:r>
                       <a:endParaRPr lang="en-US" altLang="ko-KR" sz="1600" dirty="0"/>
                     </a:p>
@@ -4438,7 +4349,27 @@
                       <a:pPr algn="ctr" latinLnBrk="1"/>
                       <a:r>
                         <a:rPr lang="ko-KR" altLang="en-US" sz="1600" dirty="0"/>
-                        <a:t>이동 키 없이 마우스로만 전투</a:t>
+                        <a:t>엄폐물 </a:t>
+                      </a:r>
+                      <a:r>
+                        <a:rPr lang="en-US" altLang="ko-KR" sz="1600" dirty="0"/>
+                        <a:t>/ </a:t>
+                      </a:r>
+                      <a:r>
+                        <a:rPr lang="ko-KR" altLang="en-US" sz="1600" dirty="0"/>
+                        <a:t>유닛간 충돌판정</a:t>
+                      </a:r>
+                      <a:endParaRPr lang="en-US" altLang="ko-KR" sz="1600" dirty="0"/>
+                    </a:p>
+                    <a:p>
+                      <a:pPr algn="ctr" latinLnBrk="1"/>
+                      <a:r>
+                        <a:rPr lang="ko-KR" altLang="en-US" sz="1600" dirty="0" err="1"/>
+                        <a:t>맵의</a:t>
+                      </a:r>
+                      <a:r>
+                        <a:rPr lang="ko-KR" altLang="en-US" sz="1600" dirty="0"/>
+                        <a:t> 경계에서 랜덤하게 생성</a:t>
                       </a:r>
                     </a:p>
                   </a:txBody>
@@ -4452,19 +4383,15 @@
                       <a:pPr algn="ctr" latinLnBrk="1"/>
                       <a:r>
                         <a:rPr lang="ko-KR" altLang="en-US" sz="1600" dirty="0"/>
-                        <a:t>이동하며 전투</a:t>
+                        <a:t>피격 시 뒤로 밀림</a:t>
                       </a:r>
                       <a:endParaRPr lang="en-US" altLang="ko-KR" sz="1600" dirty="0"/>
                     </a:p>
                     <a:p>
                       <a:pPr algn="ctr" latinLnBrk="1"/>
                       <a:r>
-                        <a:rPr lang="en-US" altLang="ko-KR" sz="1600" dirty="0"/>
-                        <a:t>FPS</a:t>
-                      </a:r>
-                      <a:r>
                         <a:rPr lang="ko-KR" altLang="en-US" sz="1600" dirty="0"/>
-                        <a:t>처럼 상하좌우로 움직이며 전투</a:t>
+                        <a:t>플레이어가 사격할 때 엄폐물로 회피</a:t>
                       </a:r>
                     </a:p>
                   </a:txBody>
@@ -4485,7 +4412,7 @@
                       <a:pPr algn="ctr" latinLnBrk="1"/>
                       <a:r>
                         <a:rPr lang="ko-KR" altLang="en-US" sz="1600" dirty="0"/>
-                        <a:t>적군</a:t>
+                        <a:t>맵</a:t>
                       </a:r>
                     </a:p>
                   </a:txBody>
@@ -4498,8 +4425,12 @@
                     <a:p>
                       <a:pPr algn="ctr" latinLnBrk="1"/>
                       <a:r>
+                        <a:rPr lang="en-US" altLang="ko-KR" sz="1600" dirty="0"/>
+                        <a:t>1</a:t>
+                      </a:r>
+                      <a:r>
                         <a:rPr lang="ko-KR" altLang="en-US" sz="1600" dirty="0"/>
-                        <a:t>정해진 패턴대로 행동</a:t>
+                        <a:t>개의 스테이지 구현</a:t>
                       </a:r>
                       <a:endParaRPr lang="en-US" altLang="ko-KR" sz="1600" dirty="0"/>
                     </a:p>
@@ -4507,16 +4438,17 @@
                       <a:pPr algn="ctr" latinLnBrk="1"/>
                       <a:r>
                         <a:rPr lang="ko-KR" altLang="en-US" sz="1600" dirty="0"/>
-                        <a:t>적군 </a:t>
-                      </a:r>
-                      <a:r>
-                        <a:rPr lang="en-US" altLang="ko-KR" sz="1600" dirty="0"/>
-                        <a:t>AI</a:t>
-                      </a:r>
+                        <a:t>플레이어 바로 앞에 방벽 구현</a:t>
+                      </a:r>
+                      <a:endParaRPr lang="en-US" altLang="ko-KR" sz="1600" dirty="0"/>
+                    </a:p>
+                    <a:p>
+                      <a:pPr algn="ctr" latinLnBrk="1"/>
                       <a:r>
                         <a:rPr lang="ko-KR" altLang="en-US" sz="1600" dirty="0"/>
-                        <a:t>는 정해진 패턴대로만 행동</a:t>
-                      </a:r>
+                        <a:t>맵 중간에 엄폐물 다수 구현</a:t>
+                      </a:r>
+                      <a:endParaRPr lang="en-US" altLang="ko-KR" sz="1600" dirty="0"/>
                     </a:p>
                   </a:txBody>
                   <a:tcPr marL="87464" marR="87464" anchor="ctr"/>
@@ -4529,19 +4461,15 @@
                       <a:pPr algn="ctr" latinLnBrk="1"/>
                       <a:r>
                         <a:rPr lang="ko-KR" altLang="en-US" sz="1600" dirty="0"/>
-                        <a:t>랜덤으로 행동</a:t>
+                        <a:t>여러 개의 스테이지 구현</a:t>
                       </a:r>
                       <a:endParaRPr lang="en-US" altLang="ko-KR" sz="1600" dirty="0"/>
                     </a:p>
                     <a:p>
                       <a:pPr algn="ctr" latinLnBrk="1"/>
                       <a:r>
-                        <a:rPr lang="en-US" altLang="ko-KR" sz="1600" dirty="0"/>
-                        <a:t>*</a:t>
-                      </a:r>
-                      <a:r>
                         <a:rPr lang="ko-KR" altLang="en-US" sz="1600" dirty="0"/>
-                        <a:t>주어진 정보로 판단하여 행동</a:t>
+                        <a:t>스테이지에 따라 엄폐물 및 조명 변화</a:t>
                       </a:r>
                     </a:p>
                   </a:txBody>
@@ -4562,7 +4490,7 @@
                       <a:pPr algn="ctr" latinLnBrk="1"/>
                       <a:r>
                         <a:rPr lang="ko-KR" altLang="en-US" sz="1600" dirty="0"/>
-                        <a:t>총기류</a:t>
+                        <a:t>조명</a:t>
                       </a:r>
                     </a:p>
                   </a:txBody>
@@ -4576,43 +4504,17 @@
                       <a:pPr algn="ctr" latinLnBrk="1"/>
                       <a:r>
                         <a:rPr lang="ko-KR" altLang="en-US" sz="1600" dirty="0"/>
-                        <a:t>총알이 포물선으로 이동 </a:t>
+                        <a:t>엄폐물</a:t>
                       </a:r>
                       <a:r>
                         <a:rPr lang="en-US" altLang="ko-KR" sz="1600" dirty="0"/>
-                        <a:t>(</a:t>
+                        <a:t>, </a:t>
                       </a:r>
                       <a:r>
                         <a:rPr lang="ko-KR" altLang="en-US" sz="1600" dirty="0"/>
-                        <a:t>중력 작용</a:t>
-                      </a:r>
-                      <a:r>
-                        <a:rPr lang="en-US" altLang="ko-KR" sz="1600" dirty="0"/>
-                        <a:t>)</a:t>
-                      </a:r>
-                    </a:p>
-                    <a:p>
-                      <a:pPr algn="ctr" latinLnBrk="1"/>
-                      <a:r>
-                        <a:rPr lang="ko-KR" altLang="en-US" sz="1600" dirty="0"/>
-                        <a:t>사격 후 반동으로 조준 상하운동</a:t>
+                        <a:t>유닛 주변에 음영 표현</a:t>
                       </a:r>
                       <a:endParaRPr lang="en-US" altLang="ko-KR" sz="1600" dirty="0"/>
-                    </a:p>
-                    <a:p>
-                      <a:pPr algn="ctr" latinLnBrk="1"/>
-                      <a:r>
-                        <a:rPr lang="ko-KR" altLang="en-US" sz="1600" dirty="0"/>
-                        <a:t>줌 인</a:t>
-                      </a:r>
-                      <a:r>
-                        <a:rPr lang="en-US" altLang="ko-KR" sz="1600" dirty="0"/>
-                        <a:t>/</a:t>
-                      </a:r>
-                      <a:r>
-                        <a:rPr lang="ko-KR" altLang="en-US" sz="1600" dirty="0"/>
-                        <a:t>아웃</a:t>
-                      </a:r>
                     </a:p>
                   </a:txBody>
                   <a:tcPr marL="87464" marR="87464" anchor="ctr"/>
@@ -4641,63 +4543,42 @@
                       </a:pPr>
                       <a:r>
                         <a:rPr lang="ko-KR" altLang="en-US" sz="1600" dirty="0"/>
-                        <a:t>연사</a:t>
+                        <a:t>낯과 밤을 구현 </a:t>
                       </a:r>
                       <a:r>
                         <a:rPr lang="en-US" altLang="ko-KR" sz="1600" dirty="0"/>
-                        <a:t>/</a:t>
-                      </a:r>
-                      <a:r>
-                        <a:rPr lang="ko-KR" altLang="en-US" sz="1600" dirty="0" err="1"/>
-                        <a:t>점사</a:t>
+                        <a:t>(</a:t>
                       </a:r>
                       <a:r>
                         <a:rPr lang="ko-KR" altLang="en-US" sz="1600" dirty="0"/>
-                        <a:t> 기능 추가</a:t>
-                      </a:r>
-                      <a:endParaRPr lang="en-US" altLang="ko-KR" sz="1600" dirty="0"/>
-                    </a:p>
-                    <a:p>
-                      <a:pPr algn="ctr" latinLnBrk="1"/>
+                        <a:t>밤에는 광원 주변만 밝음</a:t>
+                      </a:r>
                       <a:r>
                         <a:rPr lang="en-US" altLang="ko-KR" sz="1600" dirty="0"/>
-                        <a:t>*</a:t>
-                      </a:r>
+                        <a:t>)</a:t>
+                      </a:r>
+                    </a:p>
+                    <a:p>
+                      <a:pPr marL="0" marR="0" lvl="0" indent="0" algn="ctr" defTabSz="914400" rtl="0" eaLnBrk="1" fontAlgn="auto" latinLnBrk="1" hangingPunct="1">
+                        <a:lnSpc>
+                          <a:spcPct val="100000"/>
+                        </a:lnSpc>
+                        <a:spcBef>
+                          <a:spcPts val="0"/>
+                        </a:spcBef>
+                        <a:spcAft>
+                          <a:spcPts val="0"/>
+                        </a:spcAft>
+                        <a:buClrTx/>
+                        <a:buSzTx/>
+                        <a:buFontTx/>
+                        <a:buNone/>
+                        <a:tabLst/>
+                        <a:defRPr/>
+                      </a:pPr>
                       <a:r>
                         <a:rPr lang="ko-KR" altLang="en-US" sz="1600" dirty="0"/>
-                        <a:t>좌</a:t>
-                      </a:r>
-                      <a:r>
-                        <a:rPr lang="en-US" altLang="ko-KR" sz="1600" dirty="0"/>
-                        <a:t>/</a:t>
-                      </a:r>
-                      <a:r>
-                        <a:rPr lang="ko-KR" altLang="en-US" sz="1600" dirty="0"/>
-                        <a:t>우 반동 추가</a:t>
-                      </a:r>
-                      <a:endParaRPr lang="en-US" altLang="ko-KR" sz="1600" dirty="0"/>
-                    </a:p>
-                    <a:p>
-                      <a:pPr algn="ctr" latinLnBrk="1"/>
-                      <a:r>
-                        <a:rPr lang="en-US" altLang="ko-KR" sz="1600" dirty="0"/>
-                        <a:t>*</a:t>
-                      </a:r>
-                      <a:r>
-                        <a:rPr lang="ko-KR" altLang="en-US" sz="1600" dirty="0"/>
-                        <a:t>총기류 파츠 추가</a:t>
-                      </a:r>
-                      <a:endParaRPr lang="en-US" altLang="ko-KR" sz="1600" dirty="0"/>
-                    </a:p>
-                    <a:p>
-                      <a:pPr algn="ctr" latinLnBrk="1"/>
-                      <a:r>
-                        <a:rPr lang="en-US" altLang="ko-KR" sz="1600" dirty="0"/>
-                        <a:t>*</a:t>
-                      </a:r>
-                      <a:r>
-                        <a:rPr lang="ko-KR" altLang="en-US" sz="1600" dirty="0"/>
-                        <a:t>총기류 무게 추가</a:t>
+                        <a:t>폭발형 총알 구현 시 폭발 조명 구현</a:t>
                       </a:r>
                     </a:p>
                   </a:txBody>
@@ -4717,6 +4598,1121 @@
     <p:extLst>
       <p:ext uri="{BB962C8B-B14F-4D97-AF65-F5344CB8AC3E}">
         <p14:creationId xmlns:p14="http://schemas.microsoft.com/office/powerpoint/2010/main" val="3065098828"/>
+      </p:ext>
+    </p:extLst>
+  </p:cSld>
+  <p:clrMapOvr>
+    <a:masterClrMapping/>
+  </p:clrMapOvr>
+</p:sld>
+</file>
+
+<file path=ppt/slides/slide4.xml><?xml version="1.0" encoding="utf-8"?>
+<p:sld xmlns:a="http://schemas.openxmlformats.org/drawingml/2006/main" xmlns:r="http://schemas.openxmlformats.org/officeDocument/2006/relationships" xmlns:p="http://schemas.openxmlformats.org/presentationml/2006/main">
+  <p:cSld>
+    <p:spTree>
+      <p:nvGrpSpPr>
+        <p:cNvPr id="1" name=""/>
+        <p:cNvGrpSpPr/>
+        <p:nvPr/>
+      </p:nvGrpSpPr>
+      <p:grpSpPr>
+        <a:xfrm>
+          <a:off x="0" y="0"/>
+          <a:ext cx="0" cy="0"/>
+          <a:chOff x="0" y="0"/>
+          <a:chExt cx="0" cy="0"/>
+        </a:xfrm>
+      </p:grpSpPr>
+      <p:sp>
+        <p:nvSpPr>
+          <p:cNvPr id="2" name="제목 1">
+            <a:extLst>
+              <a:ext uri="{FF2B5EF4-FFF2-40B4-BE49-F238E27FC236}">
+                <a16:creationId xmlns:a16="http://schemas.microsoft.com/office/drawing/2014/main" id="{D150FFF4-6630-43B1-8EA5-45FD1AAEEC4E}"/>
+              </a:ext>
+            </a:extLst>
+          </p:cNvPr>
+          <p:cNvSpPr>
+            <a:spLocks noGrp="1"/>
+          </p:cNvSpPr>
+          <p:nvPr>
+            <p:ph type="title"/>
+          </p:nvPr>
+        </p:nvSpPr>
+        <p:spPr/>
+        <p:txBody>
+          <a:bodyPr/>
+          <a:lstStyle/>
+          <a:p>
+            <a:r>
+              <a:rPr lang="en-US" altLang="ko-KR" dirty="0"/>
+              <a:t>Schedule Table</a:t>
+            </a:r>
+            <a:endParaRPr lang="ko-KR" altLang="en-US" dirty="0"/>
+          </a:p>
+        </p:txBody>
+      </p:sp>
+      <p:graphicFrame>
+        <p:nvGraphicFramePr>
+          <p:cNvPr id="4" name="표 4">
+            <a:extLst>
+              <a:ext uri="{FF2B5EF4-FFF2-40B4-BE49-F238E27FC236}">
+                <a16:creationId xmlns:a16="http://schemas.microsoft.com/office/drawing/2014/main" id="{6947A7E3-09AA-40D9-A06C-1DF3EB083FD4}"/>
+              </a:ext>
+            </a:extLst>
+          </p:cNvPr>
+          <p:cNvGraphicFramePr>
+            <a:graphicFrameLocks noGrp="1"/>
+          </p:cNvGraphicFramePr>
+          <p:nvPr>
+            <p:ph idx="1"/>
+            <p:extLst>
+              <p:ext uri="{D42A27DB-BD31-4B8C-83A1-F6EECF244321}">
+                <p14:modId xmlns:p14="http://schemas.microsoft.com/office/powerpoint/2010/main" val="374088573"/>
+              </p:ext>
+            </p:extLst>
+          </p:nvPr>
+        </p:nvGraphicFramePr>
+        <p:xfrm>
+          <a:off x="1096963" y="1846263"/>
+          <a:ext cx="10058397" cy="3307080"/>
+        </p:xfrm>
+        <a:graphic>
+          <a:graphicData uri="http://schemas.openxmlformats.org/drawingml/2006/table">
+            <a:tbl>
+              <a:tblPr firstRow="1" bandRow="1">
+                <a:tableStyleId>{5C22544A-7EE6-4342-B048-85BDC9FD1C3A}</a:tableStyleId>
+              </a:tblPr>
+              <a:tblGrid>
+                <a:gridCol w="973884">
+                  <a:extLst>
+                    <a:ext uri="{9D8B030D-6E8A-4147-A177-3AD203B41FA5}">
+                      <a16:colId xmlns:a16="http://schemas.microsoft.com/office/drawing/2014/main" val="458450656"/>
+                    </a:ext>
+                  </a:extLst>
+                </a:gridCol>
+                <a:gridCol w="3263153">
+                  <a:extLst>
+                    <a:ext uri="{9D8B030D-6E8A-4147-A177-3AD203B41FA5}">
+                      <a16:colId xmlns:a16="http://schemas.microsoft.com/office/drawing/2014/main" val="2670286803"/>
+                    </a:ext>
+                  </a:extLst>
+                </a:gridCol>
+                <a:gridCol w="5821360">
+                  <a:extLst>
+                    <a:ext uri="{9D8B030D-6E8A-4147-A177-3AD203B41FA5}">
+                      <a16:colId xmlns:a16="http://schemas.microsoft.com/office/drawing/2014/main" val="127113504"/>
+                    </a:ext>
+                  </a:extLst>
+                </a:gridCol>
+              </a:tblGrid>
+              <a:tr h="370840">
+                <a:tc>
+                  <a:txBody>
+                    <a:bodyPr/>
+                    <a:lstStyle/>
+                    <a:p>
+                      <a:pPr latinLnBrk="1"/>
+                      <a:r>
+                        <a:rPr lang="ko-KR" altLang="en-US" dirty="0"/>
+                        <a:t>일자</a:t>
+                      </a:r>
+                    </a:p>
+                  </a:txBody>
+                  <a:tcPr anchor="ctr"/>
+                </a:tc>
+                <a:tc>
+                  <a:txBody>
+                    <a:bodyPr/>
+                    <a:lstStyle/>
+                    <a:p>
+                      <a:pPr latinLnBrk="1"/>
+                      <a:r>
+                        <a:rPr lang="ko-KR" altLang="en-US" dirty="0"/>
+                        <a:t>개발 내용</a:t>
+                      </a:r>
+                    </a:p>
+                  </a:txBody>
+                  <a:tcPr anchor="ctr"/>
+                </a:tc>
+                <a:tc>
+                  <a:txBody>
+                    <a:bodyPr/>
+                    <a:lstStyle/>
+                    <a:p>
+                      <a:pPr latinLnBrk="1"/>
+                      <a:r>
+                        <a:rPr lang="ko-KR" altLang="en-US" dirty="0"/>
+                        <a:t>세부 내용</a:t>
+                      </a:r>
+                    </a:p>
+                  </a:txBody>
+                  <a:tcPr anchor="ctr"/>
+                </a:tc>
+                <a:extLst>
+                  <a:ext uri="{0D108BD9-81ED-4DB2-BD59-A6C34878D82A}">
+                    <a16:rowId xmlns:a16="http://schemas.microsoft.com/office/drawing/2014/main" val="2739472639"/>
+                  </a:ext>
+                </a:extLst>
+              </a:tr>
+              <a:tr h="370840">
+                <a:tc>
+                  <a:txBody>
+                    <a:bodyPr/>
+                    <a:lstStyle/>
+                    <a:p>
+                      <a:pPr latinLnBrk="1"/>
+                      <a:r>
+                        <a:rPr lang="en-US" altLang="ko-KR" dirty="0"/>
+                        <a:t>~ 11/20</a:t>
+                      </a:r>
+                      <a:endParaRPr lang="ko-KR" altLang="en-US" dirty="0"/>
+                    </a:p>
+                  </a:txBody>
+                  <a:tcPr anchor="ctr"/>
+                </a:tc>
+                <a:tc>
+                  <a:txBody>
+                    <a:bodyPr/>
+                    <a:lstStyle/>
+                    <a:p>
+                      <a:pPr latinLnBrk="1"/>
+                      <a:r>
+                        <a:rPr lang="ko-KR" altLang="en-US" dirty="0"/>
+                        <a:t>세부 기획 및 설계</a:t>
+                      </a:r>
+                    </a:p>
+                  </a:txBody>
+                  <a:tcPr anchor="ctr"/>
+                </a:tc>
+                <a:tc>
+                  <a:txBody>
+                    <a:bodyPr/>
+                    <a:lstStyle/>
+                    <a:p>
+                      <a:pPr latinLnBrk="1"/>
+                      <a:r>
+                        <a:rPr lang="ko-KR" altLang="en-US" dirty="0"/>
+                        <a:t>타 교과 일정에 따른 일정 조정 및 구현 내역 조정</a:t>
+                      </a:r>
+                    </a:p>
+                  </a:txBody>
+                  <a:tcPr anchor="ctr"/>
+                </a:tc>
+                <a:extLst>
+                  <a:ext uri="{0D108BD9-81ED-4DB2-BD59-A6C34878D82A}">
+                    <a16:rowId xmlns:a16="http://schemas.microsoft.com/office/drawing/2014/main" val="413381804"/>
+                  </a:ext>
+                </a:extLst>
+              </a:tr>
+              <a:tr h="370840">
+                <a:tc>
+                  <a:txBody>
+                    <a:bodyPr/>
+                    <a:lstStyle/>
+                    <a:p>
+                      <a:pPr latinLnBrk="1"/>
+                      <a:r>
+                        <a:rPr lang="en-US" altLang="ko-KR" dirty="0"/>
+                        <a:t>~ 11/23</a:t>
+                      </a:r>
+                      <a:endParaRPr lang="ko-KR" altLang="en-US" dirty="0"/>
+                    </a:p>
+                  </a:txBody>
+                  <a:tcPr anchor="ctr"/>
+                </a:tc>
+                <a:tc>
+                  <a:txBody>
+                    <a:bodyPr/>
+                    <a:lstStyle/>
+                    <a:p>
+                      <a:pPr latinLnBrk="1"/>
+                      <a:r>
+                        <a:rPr lang="ko-KR" altLang="en-US" dirty="0"/>
+                        <a:t>프레임워크 초안 구현</a:t>
+                      </a:r>
+                    </a:p>
+                  </a:txBody>
+                  <a:tcPr anchor="ctr"/>
+                </a:tc>
+                <a:tc>
+                  <a:txBody>
+                    <a:bodyPr/>
+                    <a:lstStyle/>
+                    <a:p>
+                      <a:pPr latinLnBrk="1"/>
+                      <a:r>
+                        <a:rPr lang="en-US" altLang="ko-KR" dirty="0"/>
+                        <a:t>Scene </a:t>
+                      </a:r>
+                      <a:r>
+                        <a:rPr lang="ko-KR" altLang="en-US" dirty="0"/>
+                        <a:t>클래스 설계 및 </a:t>
+                      </a:r>
+                      <a:r>
+                        <a:rPr lang="en-US" altLang="ko-KR" dirty="0"/>
+                        <a:t>Scene</a:t>
+                      </a:r>
+                      <a:r>
+                        <a:rPr lang="ko-KR" altLang="en-US" dirty="0"/>
+                        <a:t> 교체 기능 구현</a:t>
+                      </a:r>
+                    </a:p>
+                  </a:txBody>
+                  <a:tcPr anchor="ctr"/>
+                </a:tc>
+                <a:extLst>
+                  <a:ext uri="{0D108BD9-81ED-4DB2-BD59-A6C34878D82A}">
+                    <a16:rowId xmlns:a16="http://schemas.microsoft.com/office/drawing/2014/main" val="2963085757"/>
+                  </a:ext>
+                </a:extLst>
+              </a:tr>
+              <a:tr h="0">
+                <a:tc>
+                  <a:txBody>
+                    <a:bodyPr/>
+                    <a:lstStyle/>
+                    <a:p>
+                      <a:pPr latinLnBrk="1"/>
+                      <a:r>
+                        <a:rPr lang="en-US" altLang="ko-KR" dirty="0"/>
+                        <a:t>~ 11/26</a:t>
+                      </a:r>
+                      <a:endParaRPr lang="ko-KR" altLang="en-US" dirty="0"/>
+                    </a:p>
+                  </a:txBody>
+                  <a:tcPr anchor="ctr"/>
+                </a:tc>
+                <a:tc>
+                  <a:txBody>
+                    <a:bodyPr/>
+                    <a:lstStyle/>
+                    <a:p>
+                      <a:pPr latinLnBrk="1"/>
+                      <a:r>
+                        <a:rPr lang="ko-KR" altLang="en-US" dirty="0"/>
+                        <a:t>클래스 구조 설계</a:t>
+                      </a:r>
+                    </a:p>
+                  </a:txBody>
+                  <a:tcPr anchor="ctr"/>
+                </a:tc>
+                <a:tc>
+                  <a:txBody>
+                    <a:bodyPr/>
+                    <a:lstStyle/>
+                    <a:p>
+                      <a:pPr latinLnBrk="1"/>
+                      <a:r>
+                        <a:rPr lang="ko-KR" altLang="en-US" dirty="0"/>
+                        <a:t>구현할 클래스 설계 및 부모 클래스 구현</a:t>
+                      </a:r>
+                    </a:p>
+                  </a:txBody>
+                  <a:tcPr anchor="ctr"/>
+                </a:tc>
+                <a:extLst>
+                  <a:ext uri="{0D108BD9-81ED-4DB2-BD59-A6C34878D82A}">
+                    <a16:rowId xmlns:a16="http://schemas.microsoft.com/office/drawing/2014/main" val="1939047306"/>
+                  </a:ext>
+                </a:extLst>
+              </a:tr>
+              <a:tr h="291592">
+                <a:tc>
+                  <a:txBody>
+                    <a:bodyPr/>
+                    <a:lstStyle/>
+                    <a:p>
+                      <a:pPr latinLnBrk="1"/>
+                      <a:r>
+                        <a:rPr lang="en-US" altLang="ko-KR" dirty="0"/>
+                        <a:t>~ 11/30</a:t>
+                      </a:r>
+                      <a:endParaRPr lang="ko-KR" altLang="en-US" dirty="0"/>
+                    </a:p>
+                  </a:txBody>
+                  <a:tcPr anchor="ctr"/>
+                </a:tc>
+                <a:tc>
+                  <a:txBody>
+                    <a:bodyPr/>
+                    <a:lstStyle/>
+                    <a:p>
+                      <a:pPr latinLnBrk="1"/>
+                      <a:r>
+                        <a:rPr lang="en-US" altLang="ko-KR" dirty="0"/>
+                        <a:t>Scene </a:t>
+                      </a:r>
+                      <a:r>
+                        <a:rPr lang="ko-KR" altLang="en-US" dirty="0"/>
+                        <a:t>세부 구현</a:t>
+                      </a:r>
+                    </a:p>
+                  </a:txBody>
+                  <a:tcPr anchor="ctr"/>
+                </a:tc>
+                <a:tc>
+                  <a:txBody>
+                    <a:bodyPr/>
+                    <a:lstStyle/>
+                    <a:p>
+                      <a:pPr latinLnBrk="1"/>
+                      <a:r>
+                        <a:rPr lang="ko-KR" altLang="en-US" dirty="0" err="1"/>
+                        <a:t>메인메뉴</a:t>
+                      </a:r>
+                      <a:r>
+                        <a:rPr lang="ko-KR" altLang="en-US" dirty="0"/>
+                        <a:t> </a:t>
+                      </a:r>
+                      <a:r>
+                        <a:rPr lang="en-US" altLang="ko-KR" dirty="0"/>
+                        <a:t>/ </a:t>
+                      </a:r>
+                      <a:r>
+                        <a:rPr lang="ko-KR" altLang="en-US" dirty="0"/>
+                        <a:t>설정 </a:t>
+                      </a:r>
+                      <a:r>
+                        <a:rPr lang="en-US" altLang="ko-KR" dirty="0"/>
+                        <a:t>/ </a:t>
+                      </a:r>
+                      <a:r>
+                        <a:rPr lang="ko-KR" altLang="en-US" dirty="0"/>
+                        <a:t>도움말 </a:t>
+                      </a:r>
+                      <a:r>
+                        <a:rPr lang="en-US" altLang="ko-KR" dirty="0"/>
+                        <a:t>Scene </a:t>
+                      </a:r>
+                      <a:r>
+                        <a:rPr lang="ko-KR" altLang="en-US" dirty="0"/>
+                        <a:t>구현</a:t>
+                      </a:r>
+                    </a:p>
+                  </a:txBody>
+                  <a:tcPr anchor="ctr"/>
+                </a:tc>
+                <a:extLst>
+                  <a:ext uri="{0D108BD9-81ED-4DB2-BD59-A6C34878D82A}">
+                    <a16:rowId xmlns:a16="http://schemas.microsoft.com/office/drawing/2014/main" val="35851982"/>
+                  </a:ext>
+                </a:extLst>
+              </a:tr>
+              <a:tr h="182880">
+                <a:tc rowSpan="2">
+                  <a:txBody>
+                    <a:bodyPr/>
+                    <a:lstStyle/>
+                    <a:p>
+                      <a:pPr latinLnBrk="1"/>
+                      <a:r>
+                        <a:rPr lang="en-US" altLang="ko-KR" dirty="0"/>
+                        <a:t>~ 12/7</a:t>
+                      </a:r>
+                      <a:endParaRPr lang="ko-KR" altLang="en-US" dirty="0"/>
+                    </a:p>
+                  </a:txBody>
+                  <a:tcPr anchor="ctr"/>
+                </a:tc>
+                <a:tc rowSpan="2">
+                  <a:txBody>
+                    <a:bodyPr/>
+                    <a:lstStyle/>
+                    <a:p>
+                      <a:pPr latinLnBrk="1"/>
+                      <a:r>
+                        <a:rPr lang="ko-KR" altLang="en-US" dirty="0"/>
+                        <a:t>전투 </a:t>
+                      </a:r>
+                      <a:r>
+                        <a:rPr lang="en-US" altLang="ko-KR" dirty="0"/>
+                        <a:t>Scene </a:t>
+                      </a:r>
+                      <a:r>
+                        <a:rPr lang="ko-KR" altLang="en-US" dirty="0"/>
+                        <a:t>구현</a:t>
+                      </a:r>
+                    </a:p>
+                  </a:txBody>
+                  <a:tcPr anchor="ctr"/>
+                </a:tc>
+                <a:tc>
+                  <a:txBody>
+                    <a:bodyPr/>
+                    <a:lstStyle/>
+                    <a:p>
+                      <a:pPr latinLnBrk="1"/>
+                      <a:r>
+                        <a:rPr lang="ko-KR" altLang="en-US" dirty="0"/>
+                        <a:t>적군 클래스 </a:t>
+                      </a:r>
+                      <a:r>
+                        <a:rPr lang="en-US" altLang="ko-KR" dirty="0"/>
+                        <a:t>/ </a:t>
+                      </a:r>
+                      <a:r>
+                        <a:rPr lang="ko-KR" altLang="en-US" dirty="0"/>
+                        <a:t>플레이어 클래스 구현</a:t>
+                      </a:r>
+                    </a:p>
+                  </a:txBody>
+                  <a:tcPr anchor="ctr"/>
+                </a:tc>
+                <a:extLst>
+                  <a:ext uri="{0D108BD9-81ED-4DB2-BD59-A6C34878D82A}">
+                    <a16:rowId xmlns:a16="http://schemas.microsoft.com/office/drawing/2014/main" val="466458931"/>
+                  </a:ext>
+                </a:extLst>
+              </a:tr>
+              <a:tr h="182880">
+                <a:tc vMerge="1">
+                  <a:txBody>
+                    <a:bodyPr/>
+                    <a:lstStyle/>
+                    <a:p>
+                      <a:pPr latinLnBrk="1"/>
+                      <a:endParaRPr lang="ko-KR" altLang="en-US" dirty="0"/>
+                    </a:p>
+                  </a:txBody>
+                  <a:tcPr/>
+                </a:tc>
+                <a:tc vMerge="1">
+                  <a:txBody>
+                    <a:bodyPr/>
+                    <a:lstStyle/>
+                    <a:p>
+                      <a:pPr latinLnBrk="1"/>
+                      <a:endParaRPr lang="ko-KR" altLang="en-US" dirty="0"/>
+                    </a:p>
+                  </a:txBody>
+                  <a:tcPr/>
+                </a:tc>
+                <a:tc>
+                  <a:txBody>
+                    <a:bodyPr/>
+                    <a:lstStyle/>
+                    <a:p>
+                      <a:pPr latinLnBrk="1"/>
+                      <a:r>
+                        <a:rPr lang="ko-KR" altLang="en-US" dirty="0"/>
+                        <a:t>엄폐물 및 유닛간 충돌판정 구현</a:t>
+                      </a:r>
+                    </a:p>
+                  </a:txBody>
+                  <a:tcPr anchor="ctr"/>
+                </a:tc>
+                <a:extLst>
+                  <a:ext uri="{0D108BD9-81ED-4DB2-BD59-A6C34878D82A}">
+                    <a16:rowId xmlns:a16="http://schemas.microsoft.com/office/drawing/2014/main" val="535545282"/>
+                  </a:ext>
+                </a:extLst>
+              </a:tr>
+              <a:tr h="143256">
+                <a:tc>
+                  <a:txBody>
+                    <a:bodyPr/>
+                    <a:lstStyle/>
+                    <a:p>
+                      <a:pPr latinLnBrk="1"/>
+                      <a:r>
+                        <a:rPr lang="en-US" altLang="ko-KR" dirty="0"/>
+                        <a:t>~ 12/16</a:t>
+                      </a:r>
+                      <a:endParaRPr lang="ko-KR" altLang="en-US" dirty="0"/>
+                    </a:p>
+                  </a:txBody>
+                  <a:tcPr anchor="ctr"/>
+                </a:tc>
+                <a:tc>
+                  <a:txBody>
+                    <a:bodyPr/>
+                    <a:lstStyle/>
+                    <a:p>
+                      <a:pPr latinLnBrk="1"/>
+                      <a:r>
+                        <a:rPr lang="ko-KR" altLang="en-US" dirty="0"/>
+                        <a:t>조명 구현 및 디버깅</a:t>
+                      </a:r>
+                    </a:p>
+                  </a:txBody>
+                  <a:tcPr anchor="ctr"/>
+                </a:tc>
+                <a:tc>
+                  <a:txBody>
+                    <a:bodyPr/>
+                    <a:lstStyle/>
+                    <a:p>
+                      <a:pPr latinLnBrk="1"/>
+                      <a:endParaRPr lang="ko-KR" altLang="en-US" dirty="0"/>
+                    </a:p>
+                  </a:txBody>
+                  <a:tcPr anchor="ctr"/>
+                </a:tc>
+                <a:extLst>
+                  <a:ext uri="{0D108BD9-81ED-4DB2-BD59-A6C34878D82A}">
+                    <a16:rowId xmlns:a16="http://schemas.microsoft.com/office/drawing/2014/main" val="2799033603"/>
+                  </a:ext>
+                </a:extLst>
+              </a:tr>
+              <a:tr h="0">
+                <a:tc>
+                  <a:txBody>
+                    <a:bodyPr/>
+                    <a:lstStyle/>
+                    <a:p>
+                      <a:pPr latinLnBrk="1"/>
+                      <a:r>
+                        <a:rPr lang="en-US" altLang="ko-KR" dirty="0"/>
+                        <a:t>~ All</a:t>
+                      </a:r>
+                      <a:endParaRPr lang="ko-KR" altLang="en-US" dirty="0"/>
+                    </a:p>
+                  </a:txBody>
+                  <a:tcPr anchor="ctr"/>
+                </a:tc>
+                <a:tc>
+                  <a:txBody>
+                    <a:bodyPr/>
+                    <a:lstStyle/>
+                    <a:p>
+                      <a:pPr latinLnBrk="1"/>
+                      <a:r>
+                        <a:rPr lang="ko-KR" altLang="en-US" dirty="0"/>
+                        <a:t>리소스 수집</a:t>
+                      </a:r>
+                    </a:p>
+                  </a:txBody>
+                  <a:tcPr anchor="ctr"/>
+                </a:tc>
+                <a:tc>
+                  <a:txBody>
+                    <a:bodyPr/>
+                    <a:lstStyle/>
+                    <a:p>
+                      <a:pPr latinLnBrk="1"/>
+                      <a:r>
+                        <a:rPr lang="ko-KR" altLang="en-US" dirty="0"/>
+                        <a:t>필요한 리소스 수집 및 제작</a:t>
+                      </a:r>
+                    </a:p>
+                  </a:txBody>
+                  <a:tcPr anchor="ctr"/>
+                </a:tc>
+                <a:extLst>
+                  <a:ext uri="{0D108BD9-81ED-4DB2-BD59-A6C34878D82A}">
+                    <a16:rowId xmlns:a16="http://schemas.microsoft.com/office/drawing/2014/main" val="333997977"/>
+                  </a:ext>
+                </a:extLst>
+              </a:tr>
+            </a:tbl>
+          </a:graphicData>
+        </a:graphic>
+      </p:graphicFrame>
+    </p:spTree>
+    <p:extLst>
+      <p:ext uri="{BB962C8B-B14F-4D97-AF65-F5344CB8AC3E}">
+        <p14:creationId xmlns:p14="http://schemas.microsoft.com/office/powerpoint/2010/main" val="2022768155"/>
+      </p:ext>
+    </p:extLst>
+  </p:cSld>
+  <p:clrMapOvr>
+    <a:masterClrMapping/>
+  </p:clrMapOvr>
+</p:sld>
+</file>
+
+<file path=ppt/slides/slide5.xml><?xml version="1.0" encoding="utf-8"?>
+<p:sld xmlns:a="http://schemas.openxmlformats.org/drawingml/2006/main" xmlns:r="http://schemas.openxmlformats.org/officeDocument/2006/relationships" xmlns:p="http://schemas.openxmlformats.org/presentationml/2006/main">
+  <p:cSld>
+    <p:spTree>
+      <p:nvGrpSpPr>
+        <p:cNvPr id="1" name=""/>
+        <p:cNvGrpSpPr/>
+        <p:nvPr/>
+      </p:nvGrpSpPr>
+      <p:grpSpPr>
+        <a:xfrm>
+          <a:off x="0" y="0"/>
+          <a:ext cx="0" cy="0"/>
+          <a:chOff x="0" y="0"/>
+          <a:chExt cx="0" cy="0"/>
+        </a:xfrm>
+      </p:grpSpPr>
+      <p:sp>
+        <p:nvSpPr>
+          <p:cNvPr id="2" name="제목 1">
+            <a:extLst>
+              <a:ext uri="{FF2B5EF4-FFF2-40B4-BE49-F238E27FC236}">
+                <a16:creationId xmlns:a16="http://schemas.microsoft.com/office/drawing/2014/main" id="{A0A1DBE0-70E5-4FE7-96F0-668B8A3D0879}"/>
+              </a:ext>
+            </a:extLst>
+          </p:cNvPr>
+          <p:cNvSpPr>
+            <a:spLocks noGrp="1"/>
+          </p:cNvSpPr>
+          <p:nvPr>
+            <p:ph type="title"/>
+          </p:nvPr>
+        </p:nvSpPr>
+        <p:spPr/>
+        <p:txBody>
+          <a:bodyPr/>
+          <a:lstStyle/>
+          <a:p>
+            <a:r>
+              <a:rPr lang="en-US" altLang="ko-KR" dirty="0"/>
+              <a:t>Rules</a:t>
+            </a:r>
+            <a:r>
+              <a:rPr lang="ko-KR" altLang="en-US" dirty="0"/>
+              <a:t> </a:t>
+            </a:r>
+            <a:r>
+              <a:rPr lang="en-US" altLang="ko-KR" dirty="0"/>
+              <a:t>Table</a:t>
+            </a:r>
+            <a:endParaRPr lang="ko-KR" altLang="en-US" dirty="0"/>
+          </a:p>
+        </p:txBody>
+      </p:sp>
+      <p:graphicFrame>
+        <p:nvGraphicFramePr>
+          <p:cNvPr id="4" name="표 4">
+            <a:extLst>
+              <a:ext uri="{FF2B5EF4-FFF2-40B4-BE49-F238E27FC236}">
+                <a16:creationId xmlns:a16="http://schemas.microsoft.com/office/drawing/2014/main" id="{C65ACDEE-5676-443B-9A5F-E61A21C6C915}"/>
+              </a:ext>
+            </a:extLst>
+          </p:cNvPr>
+          <p:cNvGraphicFramePr>
+            <a:graphicFrameLocks noGrp="1"/>
+          </p:cNvGraphicFramePr>
+          <p:nvPr>
+            <p:ph idx="1"/>
+            <p:extLst>
+              <p:ext uri="{D42A27DB-BD31-4B8C-83A1-F6EECF244321}">
+                <p14:modId xmlns:p14="http://schemas.microsoft.com/office/powerpoint/2010/main" val="1706556434"/>
+              </p:ext>
+            </p:extLst>
+          </p:nvPr>
+        </p:nvGraphicFramePr>
+        <p:xfrm>
+          <a:off x="1096963" y="1846263"/>
+          <a:ext cx="10058397" cy="3170090"/>
+        </p:xfrm>
+        <a:graphic>
+          <a:graphicData uri="http://schemas.openxmlformats.org/drawingml/2006/table">
+            <a:tbl>
+              <a:tblPr firstRow="1" bandRow="1">
+                <a:tableStyleId>{5C22544A-7EE6-4342-B048-85BDC9FD1C3A}</a:tableStyleId>
+              </a:tblPr>
+              <a:tblGrid>
+                <a:gridCol w="1000778">
+                  <a:extLst>
+                    <a:ext uri="{9D8B030D-6E8A-4147-A177-3AD203B41FA5}">
+                      <a16:colId xmlns:a16="http://schemas.microsoft.com/office/drawing/2014/main" val="1548286632"/>
+                    </a:ext>
+                  </a:extLst>
+                </a:gridCol>
+                <a:gridCol w="4410635">
+                  <a:extLst>
+                    <a:ext uri="{9D8B030D-6E8A-4147-A177-3AD203B41FA5}">
+                      <a16:colId xmlns:a16="http://schemas.microsoft.com/office/drawing/2014/main" val="3174972200"/>
+                    </a:ext>
+                  </a:extLst>
+                </a:gridCol>
+                <a:gridCol w="4646984">
+                  <a:extLst>
+                    <a:ext uri="{9D8B030D-6E8A-4147-A177-3AD203B41FA5}">
+                      <a16:colId xmlns:a16="http://schemas.microsoft.com/office/drawing/2014/main" val="2159577933"/>
+                    </a:ext>
+                  </a:extLst>
+                </a:gridCol>
+              </a:tblGrid>
+              <a:tr h="574208">
+                <a:tc rowSpan="7">
+                  <a:txBody>
+                    <a:bodyPr/>
+                    <a:lstStyle/>
+                    <a:p>
+                      <a:pPr marL="0" marR="0" lvl="0" indent="0" algn="ctr" defTabSz="914400" rtl="0" eaLnBrk="1" fontAlgn="auto" latinLnBrk="1" hangingPunct="1">
+                        <a:lnSpc>
+                          <a:spcPct val="100000"/>
+                        </a:lnSpc>
+                        <a:spcBef>
+                          <a:spcPts val="0"/>
+                        </a:spcBef>
+                        <a:spcAft>
+                          <a:spcPts val="0"/>
+                        </a:spcAft>
+                        <a:buClrTx/>
+                        <a:buSzTx/>
+                        <a:buFontTx/>
+                        <a:buNone/>
+                        <a:tabLst/>
+                        <a:defRPr/>
+                      </a:pPr>
+                      <a:r>
+                        <a:rPr lang="ko-KR" altLang="en-US" dirty="0"/>
+                        <a:t>역할</a:t>
+                      </a:r>
+                    </a:p>
+                  </a:txBody>
+                  <a:tcPr anchor="ctr"/>
+                </a:tc>
+                <a:tc>
+                  <a:txBody>
+                    <a:bodyPr/>
+                    <a:lstStyle/>
+                    <a:p>
+                      <a:pPr algn="ctr" latinLnBrk="1"/>
+                      <a:r>
+                        <a:rPr lang="ko-KR" altLang="en-US" dirty="0"/>
+                        <a:t>박찬</a:t>
+                      </a:r>
+                    </a:p>
+                  </a:txBody>
+                  <a:tcPr anchor="ctr"/>
+                </a:tc>
+                <a:tc>
+                  <a:txBody>
+                    <a:bodyPr/>
+                    <a:lstStyle/>
+                    <a:p>
+                      <a:pPr algn="ctr" latinLnBrk="1"/>
+                      <a:r>
+                        <a:rPr lang="ko-KR" altLang="en-US" dirty="0" err="1"/>
+                        <a:t>원휘재</a:t>
+                      </a:r>
+                      <a:endParaRPr lang="ko-KR" altLang="en-US" dirty="0"/>
+                    </a:p>
+                  </a:txBody>
+                  <a:tcPr anchor="ctr"/>
+                </a:tc>
+                <a:extLst>
+                  <a:ext uri="{0D108BD9-81ED-4DB2-BD59-A6C34878D82A}">
+                    <a16:rowId xmlns:a16="http://schemas.microsoft.com/office/drawing/2014/main" val="2627992267"/>
+                  </a:ext>
+                </a:extLst>
+              </a:tr>
+              <a:tr h="432647">
+                <a:tc vMerge="1">
+                  <a:txBody>
+                    <a:bodyPr/>
+                    <a:lstStyle/>
+                    <a:p>
+                      <a:pPr algn="ctr" latinLnBrk="1"/>
+                      <a:endParaRPr lang="ko-KR" altLang="en-US" dirty="0"/>
+                    </a:p>
+                  </a:txBody>
+                  <a:tcPr anchor="ctr"/>
+                </a:tc>
+                <a:tc>
+                  <a:txBody>
+                    <a:bodyPr/>
+                    <a:lstStyle/>
+                    <a:p>
+                      <a:pPr algn="ctr" latinLnBrk="1"/>
+                      <a:r>
+                        <a:rPr lang="ko-KR" altLang="en-US" dirty="0"/>
+                        <a:t>프레임워크 설계 및 제작</a:t>
+                      </a:r>
+                    </a:p>
+                  </a:txBody>
+                  <a:tcPr anchor="ctr"/>
+                </a:tc>
+                <a:tc>
+                  <a:txBody>
+                    <a:bodyPr/>
+                    <a:lstStyle/>
+                    <a:p>
+                      <a:pPr algn="ctr" latinLnBrk="1"/>
+                      <a:r>
+                        <a:rPr lang="ko-KR" altLang="en-US" dirty="0"/>
+                        <a:t>적군 </a:t>
+                      </a:r>
+                      <a:r>
+                        <a:rPr lang="en-US" altLang="ko-KR" dirty="0"/>
+                        <a:t>AI </a:t>
+                      </a:r>
+                      <a:r>
+                        <a:rPr lang="ko-KR" altLang="en-US" dirty="0"/>
+                        <a:t>구현</a:t>
+                      </a:r>
+                    </a:p>
+                  </a:txBody>
+                  <a:tcPr anchor="ctr"/>
+                </a:tc>
+                <a:extLst>
+                  <a:ext uri="{0D108BD9-81ED-4DB2-BD59-A6C34878D82A}">
+                    <a16:rowId xmlns:a16="http://schemas.microsoft.com/office/drawing/2014/main" val="3006575031"/>
+                  </a:ext>
+                </a:extLst>
+              </a:tr>
+              <a:tr h="432647">
+                <a:tc vMerge="1">
+                  <a:txBody>
+                    <a:bodyPr/>
+                    <a:lstStyle/>
+                    <a:p>
+                      <a:pPr latinLnBrk="1"/>
+                      <a:endParaRPr lang="ko-KR" altLang="en-US" dirty="0"/>
+                    </a:p>
+                  </a:txBody>
+                  <a:tcPr/>
+                </a:tc>
+                <a:tc>
+                  <a:txBody>
+                    <a:bodyPr/>
+                    <a:lstStyle/>
+                    <a:p>
+                      <a:pPr algn="ctr"/>
+                      <a:r>
+                        <a:rPr lang="en-US" altLang="ko-KR" dirty="0"/>
+                        <a:t>Scene </a:t>
+                      </a:r>
+                      <a:r>
+                        <a:rPr lang="ko-KR" altLang="en-US" dirty="0"/>
+                        <a:t>부모 클래스 구현</a:t>
+                      </a:r>
+                    </a:p>
+                  </a:txBody>
+                  <a:tcPr anchor="ctr"/>
+                </a:tc>
+                <a:tc>
+                  <a:txBody>
+                    <a:bodyPr/>
+                    <a:lstStyle/>
+                    <a:p>
+                      <a:pPr algn="ctr" latinLnBrk="1"/>
+                      <a:r>
+                        <a:rPr lang="ko-KR" altLang="en-US" dirty="0"/>
+                        <a:t>플레이어 클래스 구현</a:t>
+                      </a:r>
+                    </a:p>
+                  </a:txBody>
+                  <a:tcPr anchor="ctr"/>
+                </a:tc>
+                <a:extLst>
+                  <a:ext uri="{0D108BD9-81ED-4DB2-BD59-A6C34878D82A}">
+                    <a16:rowId xmlns:a16="http://schemas.microsoft.com/office/drawing/2014/main" val="2006285617"/>
+                  </a:ext>
+                </a:extLst>
+              </a:tr>
+              <a:tr h="432647">
+                <a:tc vMerge="1">
+                  <a:txBody>
+                    <a:bodyPr/>
+                    <a:lstStyle/>
+                    <a:p>
+                      <a:pPr latinLnBrk="1"/>
+                      <a:endParaRPr lang="ko-KR" altLang="en-US" dirty="0"/>
+                    </a:p>
+                  </a:txBody>
+                  <a:tcPr/>
+                </a:tc>
+                <a:tc>
+                  <a:txBody>
+                    <a:bodyPr/>
+                    <a:lstStyle/>
+                    <a:p>
+                      <a:pPr algn="ctr" latinLnBrk="1"/>
+                      <a:r>
+                        <a:rPr lang="ko-KR" altLang="en-US" dirty="0"/>
+                        <a:t>맵 구현</a:t>
+                      </a:r>
+                    </a:p>
+                  </a:txBody>
+                  <a:tcPr anchor="ctr"/>
+                </a:tc>
+                <a:tc>
+                  <a:txBody>
+                    <a:bodyPr/>
+                    <a:lstStyle/>
+                    <a:p>
+                      <a:pPr algn="ctr" latinLnBrk="1"/>
+                      <a:r>
+                        <a:rPr lang="ko-KR" altLang="en-US" dirty="0"/>
+                        <a:t>전투 </a:t>
+                      </a:r>
+                      <a:r>
+                        <a:rPr lang="en-US" altLang="ko-KR" dirty="0"/>
+                        <a:t>Scene </a:t>
+                      </a:r>
+                      <a:r>
+                        <a:rPr lang="ko-KR" altLang="en-US" dirty="0"/>
+                        <a:t>구현</a:t>
+                      </a:r>
+                    </a:p>
+                  </a:txBody>
+                  <a:tcPr anchor="ctr"/>
+                </a:tc>
+                <a:extLst>
+                  <a:ext uri="{0D108BD9-81ED-4DB2-BD59-A6C34878D82A}">
+                    <a16:rowId xmlns:a16="http://schemas.microsoft.com/office/drawing/2014/main" val="4035293608"/>
+                  </a:ext>
+                </a:extLst>
+              </a:tr>
+              <a:tr h="432647">
+                <a:tc vMerge="1">
+                  <a:txBody>
+                    <a:bodyPr/>
+                    <a:lstStyle/>
+                    <a:p>
+                      <a:pPr latinLnBrk="1"/>
+                      <a:endParaRPr lang="ko-KR" altLang="en-US" dirty="0"/>
+                    </a:p>
+                  </a:txBody>
+                  <a:tcPr/>
+                </a:tc>
+                <a:tc gridSpan="2">
+                  <a:txBody>
+                    <a:bodyPr/>
+                    <a:lstStyle/>
+                    <a:p>
+                      <a:pPr algn="ctr" latinLnBrk="1"/>
+                      <a:r>
+                        <a:rPr lang="ko-KR" altLang="en-US" dirty="0"/>
+                        <a:t>조명 구현</a:t>
+                      </a:r>
+                    </a:p>
+                  </a:txBody>
+                  <a:tcPr anchor="ctr"/>
+                </a:tc>
+                <a:tc hMerge="1">
+                  <a:txBody>
+                    <a:bodyPr/>
+                    <a:lstStyle/>
+                    <a:p>
+                      <a:pPr algn="ctr" latinLnBrk="1"/>
+                      <a:endParaRPr lang="ko-KR" altLang="en-US" dirty="0"/>
+                    </a:p>
+                  </a:txBody>
+                  <a:tcPr anchor="ctr"/>
+                </a:tc>
+                <a:extLst>
+                  <a:ext uri="{0D108BD9-81ED-4DB2-BD59-A6C34878D82A}">
+                    <a16:rowId xmlns:a16="http://schemas.microsoft.com/office/drawing/2014/main" val="3076026164"/>
+                  </a:ext>
+                </a:extLst>
+              </a:tr>
+              <a:tr h="432647">
+                <a:tc vMerge="1">
+                  <a:txBody>
+                    <a:bodyPr/>
+                    <a:lstStyle/>
+                    <a:p>
+                      <a:pPr latinLnBrk="1"/>
+                      <a:endParaRPr lang="ko-KR" altLang="en-US" dirty="0"/>
+                    </a:p>
+                  </a:txBody>
+                  <a:tcPr/>
+                </a:tc>
+                <a:tc gridSpan="2">
+                  <a:txBody>
+                    <a:bodyPr/>
+                    <a:lstStyle/>
+                    <a:p>
+                      <a:pPr algn="ctr" latinLnBrk="1"/>
+                      <a:r>
+                        <a:rPr lang="ko-KR" altLang="en-US" dirty="0"/>
+                        <a:t>오브젝트 간 상호작용 구현</a:t>
+                      </a:r>
+                      <a:r>
+                        <a:rPr lang="en-US" altLang="ko-KR" dirty="0"/>
+                        <a:t>(</a:t>
+                      </a:r>
+                      <a:r>
+                        <a:rPr lang="ko-KR" altLang="en-US" dirty="0"/>
+                        <a:t>충돌 처리</a:t>
+                      </a:r>
+                      <a:r>
+                        <a:rPr lang="en-US" altLang="ko-KR" dirty="0"/>
+                        <a:t> </a:t>
+                      </a:r>
+                      <a:r>
+                        <a:rPr lang="ko-KR" altLang="en-US" dirty="0"/>
+                        <a:t>등</a:t>
+                      </a:r>
+                      <a:r>
+                        <a:rPr lang="en-US" altLang="ko-KR" dirty="0"/>
+                        <a:t>)</a:t>
+                      </a:r>
+                      <a:endParaRPr lang="ko-KR" altLang="en-US" dirty="0"/>
+                    </a:p>
+                  </a:txBody>
+                  <a:tcPr anchor="ctr"/>
+                </a:tc>
+                <a:tc hMerge="1">
+                  <a:txBody>
+                    <a:bodyPr/>
+                    <a:lstStyle/>
+                    <a:p>
+                      <a:pPr algn="ctr" latinLnBrk="1"/>
+                      <a:endParaRPr lang="ko-KR" altLang="en-US" dirty="0"/>
+                    </a:p>
+                  </a:txBody>
+                  <a:tcPr anchor="ctr"/>
+                </a:tc>
+                <a:extLst>
+                  <a:ext uri="{0D108BD9-81ED-4DB2-BD59-A6C34878D82A}">
+                    <a16:rowId xmlns:a16="http://schemas.microsoft.com/office/drawing/2014/main" val="566610569"/>
+                  </a:ext>
+                </a:extLst>
+              </a:tr>
+              <a:tr h="432647">
+                <a:tc vMerge="1">
+                  <a:txBody>
+                    <a:bodyPr/>
+                    <a:lstStyle/>
+                    <a:p>
+                      <a:pPr latinLnBrk="1"/>
+                      <a:endParaRPr lang="ko-KR" altLang="en-US" dirty="0"/>
+                    </a:p>
+                  </a:txBody>
+                  <a:tcPr/>
+                </a:tc>
+                <a:tc gridSpan="2">
+                  <a:txBody>
+                    <a:bodyPr/>
+                    <a:lstStyle/>
+                    <a:p>
+                      <a:pPr algn="ctr" latinLnBrk="1"/>
+                      <a:r>
+                        <a:rPr lang="ko-KR" altLang="en-US" dirty="0"/>
+                        <a:t>리소스 수집 및 제작</a:t>
+                      </a:r>
+                    </a:p>
+                  </a:txBody>
+                  <a:tcPr anchor="ctr"/>
+                </a:tc>
+                <a:tc hMerge="1">
+                  <a:txBody>
+                    <a:bodyPr/>
+                    <a:lstStyle/>
+                    <a:p>
+                      <a:pPr algn="ctr" latinLnBrk="1"/>
+                      <a:endParaRPr lang="ko-KR" altLang="en-US" dirty="0"/>
+                    </a:p>
+                  </a:txBody>
+                  <a:tcPr anchor="ctr"/>
+                </a:tc>
+                <a:extLst>
+                  <a:ext uri="{0D108BD9-81ED-4DB2-BD59-A6C34878D82A}">
+                    <a16:rowId xmlns:a16="http://schemas.microsoft.com/office/drawing/2014/main" val="3115374014"/>
+                  </a:ext>
+                </a:extLst>
+              </a:tr>
+            </a:tbl>
+          </a:graphicData>
+        </a:graphic>
+      </p:graphicFrame>
+    </p:spTree>
+    <p:extLst>
+      <p:ext uri="{BB962C8B-B14F-4D97-AF65-F5344CB8AC3E}">
+        <p14:creationId xmlns:p14="http://schemas.microsoft.com/office/powerpoint/2010/main" val="2800817669"/>
       </p:ext>
     </p:extLst>
   </p:cSld>
